--- a/media/graficos_memoria.pptx
+++ b/media/graficos_memoria.pptx
@@ -12,6 +12,8 @@
     <p:sldId id="258" r:id="rId6"/>
     <p:sldId id="259" r:id="rId7"/>
     <p:sldId id="262" r:id="rId8"/>
+    <p:sldId id="264" r:id="rId9"/>
+    <p:sldId id="265" r:id="rId10"/>
   </p:sldIdLst>
   <p:sldSz cx="12192000" cy="6858000"/>
   <p:notesSz cx="6858000" cy="9144000"/>
@@ -249,7 +251,7 @@
           <a:p>
             <a:fld id="{1BB742A7-9229-4F98-9FA5-E5C249289BD2}" type="datetimeFigureOut">
               <a:rPr lang="es-ES" smtClean="0"/>
-              <a:t>18/03/2021</a:t>
+              <a:t>22/03/2021</a:t>
             </a:fld>
             <a:endParaRPr lang="es-ES"/>
           </a:p>
@@ -419,7 +421,7 @@
           <a:p>
             <a:fld id="{1BB742A7-9229-4F98-9FA5-E5C249289BD2}" type="datetimeFigureOut">
               <a:rPr lang="es-ES" smtClean="0"/>
-              <a:t>18/03/2021</a:t>
+              <a:t>22/03/2021</a:t>
             </a:fld>
             <a:endParaRPr lang="es-ES"/>
           </a:p>
@@ -599,7 +601,7 @@
           <a:p>
             <a:fld id="{1BB742A7-9229-4F98-9FA5-E5C249289BD2}" type="datetimeFigureOut">
               <a:rPr lang="es-ES" smtClean="0"/>
-              <a:t>18/03/2021</a:t>
+              <a:t>22/03/2021</a:t>
             </a:fld>
             <a:endParaRPr lang="es-ES"/>
           </a:p>
@@ -769,7 +771,7 @@
           <a:p>
             <a:fld id="{1BB742A7-9229-4F98-9FA5-E5C249289BD2}" type="datetimeFigureOut">
               <a:rPr lang="es-ES" smtClean="0"/>
-              <a:t>18/03/2021</a:t>
+              <a:t>22/03/2021</a:t>
             </a:fld>
             <a:endParaRPr lang="es-ES"/>
           </a:p>
@@ -1015,7 +1017,7 @@
           <a:p>
             <a:fld id="{1BB742A7-9229-4F98-9FA5-E5C249289BD2}" type="datetimeFigureOut">
               <a:rPr lang="es-ES" smtClean="0"/>
-              <a:t>18/03/2021</a:t>
+              <a:t>22/03/2021</a:t>
             </a:fld>
             <a:endParaRPr lang="es-ES"/>
           </a:p>
@@ -1247,7 +1249,7 @@
           <a:p>
             <a:fld id="{1BB742A7-9229-4F98-9FA5-E5C249289BD2}" type="datetimeFigureOut">
               <a:rPr lang="es-ES" smtClean="0"/>
-              <a:t>18/03/2021</a:t>
+              <a:t>22/03/2021</a:t>
             </a:fld>
             <a:endParaRPr lang="es-ES"/>
           </a:p>
@@ -1614,7 +1616,7 @@
           <a:p>
             <a:fld id="{1BB742A7-9229-4F98-9FA5-E5C249289BD2}" type="datetimeFigureOut">
               <a:rPr lang="es-ES" smtClean="0"/>
-              <a:t>18/03/2021</a:t>
+              <a:t>22/03/2021</a:t>
             </a:fld>
             <a:endParaRPr lang="es-ES"/>
           </a:p>
@@ -1732,7 +1734,7 @@
           <a:p>
             <a:fld id="{1BB742A7-9229-4F98-9FA5-E5C249289BD2}" type="datetimeFigureOut">
               <a:rPr lang="es-ES" smtClean="0"/>
-              <a:t>18/03/2021</a:t>
+              <a:t>22/03/2021</a:t>
             </a:fld>
             <a:endParaRPr lang="es-ES"/>
           </a:p>
@@ -1827,7 +1829,7 @@
           <a:p>
             <a:fld id="{1BB742A7-9229-4F98-9FA5-E5C249289BD2}" type="datetimeFigureOut">
               <a:rPr lang="es-ES" smtClean="0"/>
-              <a:t>18/03/2021</a:t>
+              <a:t>22/03/2021</a:t>
             </a:fld>
             <a:endParaRPr lang="es-ES"/>
           </a:p>
@@ -2104,7 +2106,7 @@
           <a:p>
             <a:fld id="{1BB742A7-9229-4F98-9FA5-E5C249289BD2}" type="datetimeFigureOut">
               <a:rPr lang="es-ES" smtClean="0"/>
-              <a:t>18/03/2021</a:t>
+              <a:t>22/03/2021</a:t>
             </a:fld>
             <a:endParaRPr lang="es-ES"/>
           </a:p>
@@ -2357,7 +2359,7 @@
           <a:p>
             <a:fld id="{1BB742A7-9229-4F98-9FA5-E5C249289BD2}" type="datetimeFigureOut">
               <a:rPr lang="es-ES" smtClean="0"/>
-              <a:t>18/03/2021</a:t>
+              <a:t>22/03/2021</a:t>
             </a:fld>
             <a:endParaRPr lang="es-ES"/>
           </a:p>
@@ -2570,7 +2572,7 @@
           <a:p>
             <a:fld id="{1BB742A7-9229-4F98-9FA5-E5C249289BD2}" type="datetimeFigureOut">
               <a:rPr lang="es-ES" smtClean="0"/>
-              <a:t>18/03/2021</a:t>
+              <a:t>22/03/2021</a:t>
             </a:fld>
             <a:endParaRPr lang="es-ES"/>
           </a:p>
@@ -6894,6 +6896,36 @@
           </a:p>
         </p:txBody>
       </p:sp>
+      <p:sp>
+        <p:nvSpPr>
+          <p:cNvPr id="3" name="CuadroTexto 2"/>
+          <p:cNvSpPr txBox="1"/>
+          <p:nvPr/>
+        </p:nvSpPr>
+        <p:spPr>
+          <a:xfrm>
+            <a:off x="4048125" y="142875"/>
+            <a:ext cx="3814186" cy="369332"/>
+          </a:xfrm>
+          <a:prstGeom prst="rect">
+            <a:avLst/>
+          </a:prstGeom>
+          <a:noFill/>
+        </p:spPr>
+        <p:txBody>
+          <a:bodyPr wrap="none" rtlCol="0">
+            <a:spAutoFit/>
+          </a:bodyPr>
+          <a:lstStyle/>
+          <a:p>
+            <a:r>
+              <a:rPr lang="es-ES" b="1" dirty="0" smtClean="0"/>
+              <a:t>1.- MODELADO DE LA ORGANIZACIÓN</a:t>
+            </a:r>
+            <a:endParaRPr lang="es-ES" b="1" dirty="0"/>
+          </a:p>
+        </p:txBody>
+      </p:sp>
     </p:spTree>
     <p:extLst>
       <p:ext uri="{BB962C8B-B14F-4D97-AF65-F5344CB8AC3E}">
@@ -6939,8 +6971,8 @@
         </p:nvSpPr>
         <p:spPr>
           <a:xfrm>
-            <a:off x="2649969" y="-170328"/>
-            <a:ext cx="7713230" cy="7010399"/>
+            <a:off x="2002055" y="-170329"/>
+            <a:ext cx="8361144" cy="7860913"/>
           </a:xfrm>
           <a:prstGeom prst="flowChartConnector">
             <a:avLst/>
@@ -7459,6 +7491,195 @@
           </a:p>
         </p:txBody>
       </p:sp>
+      <p:cxnSp>
+        <p:nvCxnSpPr>
+          <p:cNvPr id="14" name="Conector recto 13"/>
+          <p:cNvCxnSpPr/>
+          <p:nvPr/>
+        </p:nvCxnSpPr>
+        <p:spPr>
+          <a:xfrm>
+            <a:off x="3714750" y="4818470"/>
+            <a:ext cx="171450" cy="696505"/>
+          </a:xfrm>
+          <a:prstGeom prst="line">
+            <a:avLst/>
+          </a:prstGeom>
+          <a:ln>
+            <a:tailEnd type="diamond" w="lg" len="lg"/>
+          </a:ln>
+        </p:spPr>
+        <p:style>
+          <a:lnRef idx="1">
+            <a:schemeClr val="accent1"/>
+          </a:lnRef>
+          <a:fillRef idx="0">
+            <a:schemeClr val="accent1"/>
+          </a:fillRef>
+          <a:effectRef idx="0">
+            <a:schemeClr val="accent1"/>
+          </a:effectRef>
+          <a:fontRef idx="minor">
+            <a:schemeClr val="tx1"/>
+          </a:fontRef>
+        </p:style>
+      </p:cxnSp>
+      <p:sp>
+        <p:nvSpPr>
+          <p:cNvPr id="16" name="CuadroTexto 15"/>
+          <p:cNvSpPr txBox="1"/>
+          <p:nvPr/>
+        </p:nvSpPr>
+        <p:spPr>
+          <a:xfrm>
+            <a:off x="3485510" y="5632450"/>
+            <a:ext cx="1842140" cy="307777"/>
+          </a:xfrm>
+          <a:prstGeom prst="rect">
+            <a:avLst/>
+          </a:prstGeom>
+          <a:noFill/>
+        </p:spPr>
+        <p:txBody>
+          <a:bodyPr wrap="square" rtlCol="0">
+            <a:spAutoFit/>
+          </a:bodyPr>
+          <a:lstStyle/>
+          <a:p>
+            <a:r>
+              <a:rPr lang="es-ES" sz="1400" dirty="0" smtClean="0"/>
+              <a:t>Variables sanitarias</a:t>
+            </a:r>
+            <a:endParaRPr lang="es-ES" sz="1400" dirty="0"/>
+          </a:p>
+        </p:txBody>
+      </p:sp>
+      <p:sp>
+        <p:nvSpPr>
+          <p:cNvPr id="17" name="CuadroTexto 16"/>
+          <p:cNvSpPr txBox="1"/>
+          <p:nvPr/>
+        </p:nvSpPr>
+        <p:spPr>
+          <a:xfrm>
+            <a:off x="4354335" y="5256941"/>
+            <a:ext cx="1842140" cy="307777"/>
+          </a:xfrm>
+          <a:prstGeom prst="rect">
+            <a:avLst/>
+          </a:prstGeom>
+          <a:noFill/>
+        </p:spPr>
+        <p:txBody>
+          <a:bodyPr wrap="square" rtlCol="0">
+            <a:spAutoFit/>
+          </a:bodyPr>
+          <a:lstStyle/>
+          <a:p>
+            <a:r>
+              <a:rPr lang="es-ES" sz="1400" dirty="0" smtClean="0"/>
+              <a:t>fecha de notificación</a:t>
+            </a:r>
+            <a:endParaRPr lang="es-ES" sz="1400" dirty="0"/>
+          </a:p>
+        </p:txBody>
+      </p:sp>
+      <p:cxnSp>
+        <p:nvCxnSpPr>
+          <p:cNvPr id="18" name="Conector recto 17"/>
+          <p:cNvCxnSpPr/>
+          <p:nvPr/>
+        </p:nvCxnSpPr>
+        <p:spPr>
+          <a:xfrm>
+            <a:off x="3928664" y="4831029"/>
+            <a:ext cx="589230" cy="406662"/>
+          </a:xfrm>
+          <a:prstGeom prst="line">
+            <a:avLst/>
+          </a:prstGeom>
+          <a:ln>
+            <a:tailEnd type="diamond" w="lg" len="lg"/>
+          </a:ln>
+        </p:spPr>
+        <p:style>
+          <a:lnRef idx="1">
+            <a:schemeClr val="accent1"/>
+          </a:lnRef>
+          <a:fillRef idx="0">
+            <a:schemeClr val="accent1"/>
+          </a:fillRef>
+          <a:effectRef idx="0">
+            <a:schemeClr val="accent1"/>
+          </a:effectRef>
+          <a:fontRef idx="minor">
+            <a:schemeClr val="tx1"/>
+          </a:fontRef>
+        </p:style>
+      </p:cxnSp>
+      <p:cxnSp>
+        <p:nvCxnSpPr>
+          <p:cNvPr id="20" name="Conector recto 19"/>
+          <p:cNvCxnSpPr/>
+          <p:nvPr/>
+        </p:nvCxnSpPr>
+        <p:spPr>
+          <a:xfrm flipV="1">
+            <a:off x="3521341" y="3730608"/>
+            <a:ext cx="0" cy="297287"/>
+          </a:xfrm>
+          <a:prstGeom prst="line">
+            <a:avLst/>
+          </a:prstGeom>
+          <a:ln>
+            <a:tailEnd type="diamond" w="lg" len="lg"/>
+          </a:ln>
+        </p:spPr>
+        <p:style>
+          <a:lnRef idx="1">
+            <a:schemeClr val="accent1"/>
+          </a:lnRef>
+          <a:fillRef idx="0">
+            <a:schemeClr val="accent1"/>
+          </a:fillRef>
+          <a:effectRef idx="0">
+            <a:schemeClr val="accent1"/>
+          </a:effectRef>
+          <a:fontRef idx="minor">
+            <a:schemeClr val="tx1"/>
+          </a:fontRef>
+        </p:style>
+      </p:cxnSp>
+      <p:sp>
+        <p:nvSpPr>
+          <p:cNvPr id="22" name="CuadroTexto 21"/>
+          <p:cNvSpPr txBox="1"/>
+          <p:nvPr/>
+        </p:nvSpPr>
+        <p:spPr>
+          <a:xfrm>
+            <a:off x="2845192" y="3358647"/>
+            <a:ext cx="1842140" cy="307777"/>
+          </a:xfrm>
+          <a:prstGeom prst="rect">
+            <a:avLst/>
+          </a:prstGeom>
+          <a:noFill/>
+        </p:spPr>
+        <p:txBody>
+          <a:bodyPr wrap="square" rtlCol="0">
+            <a:spAutoFit/>
+          </a:bodyPr>
+          <a:lstStyle/>
+          <a:p>
+            <a:r>
+              <a:rPr lang="es-ES" sz="1400" dirty="0" smtClean="0"/>
+              <a:t>tipo de publicación</a:t>
+            </a:r>
+            <a:endParaRPr lang="es-ES" sz="1400" dirty="0"/>
+          </a:p>
+        </p:txBody>
+      </p:sp>
     </p:spTree>
     <p:extLst>
       <p:ext uri="{BB962C8B-B14F-4D97-AF65-F5344CB8AC3E}">
@@ -7505,7 +7726,7 @@
         <p:spPr>
           <a:xfrm>
             <a:off x="2649969" y="-170328"/>
-            <a:ext cx="7713230" cy="7010399"/>
+            <a:ext cx="7713230" cy="7533654"/>
           </a:xfrm>
           <a:prstGeom prst="flowChartConnector">
             <a:avLst/>
@@ -8077,7 +8298,7 @@
           <a:p>
             <a:pPr algn="ctr"/>
             <a:r>
-              <a:rPr lang="es-ES" smtClean="0"/>
+              <a:rPr lang="es-ES" dirty="0" smtClean="0"/>
               <a:t>Decisor</a:t>
             </a:r>
             <a:endParaRPr lang="es-ES" dirty="0"/>
@@ -8144,6 +8365,132 @@
               <a:t>Diagrama para el actor “Empleado”</a:t>
             </a:r>
             <a:endParaRPr lang="es-ES" b="1" i="1" u="sng" dirty="0"/>
+          </a:p>
+        </p:txBody>
+      </p:sp>
+      <p:cxnSp>
+        <p:nvCxnSpPr>
+          <p:cNvPr id="16" name="Conector recto 15"/>
+          <p:cNvCxnSpPr/>
+          <p:nvPr/>
+        </p:nvCxnSpPr>
+        <p:spPr>
+          <a:xfrm flipH="1" flipV="1">
+            <a:off x="5082139" y="5786338"/>
+            <a:ext cx="489895" cy="182662"/>
+          </a:xfrm>
+          <a:prstGeom prst="line">
+            <a:avLst/>
+          </a:prstGeom>
+          <a:ln>
+            <a:tailEnd type="diamond" w="lg" len="lg"/>
+          </a:ln>
+        </p:spPr>
+        <p:style>
+          <a:lnRef idx="1">
+            <a:schemeClr val="accent1"/>
+          </a:lnRef>
+          <a:fillRef idx="0">
+            <a:schemeClr val="accent1"/>
+          </a:fillRef>
+          <a:effectRef idx="0">
+            <a:schemeClr val="accent1"/>
+          </a:effectRef>
+          <a:fontRef idx="minor">
+            <a:schemeClr val="tx1"/>
+          </a:fontRef>
+        </p:style>
+      </p:cxnSp>
+      <p:sp>
+        <p:nvSpPr>
+          <p:cNvPr id="18" name="CuadroTexto 17"/>
+          <p:cNvSpPr txBox="1"/>
+          <p:nvPr/>
+        </p:nvSpPr>
+        <p:spPr>
+          <a:xfrm>
+            <a:off x="3485510" y="4986120"/>
+            <a:ext cx="1842140" cy="954107"/>
+          </a:xfrm>
+          <a:prstGeom prst="rect">
+            <a:avLst/>
+          </a:prstGeom>
+          <a:noFill/>
+        </p:spPr>
+        <p:txBody>
+          <a:bodyPr wrap="square" rtlCol="0" anchor="b">
+            <a:spAutoFit/>
+          </a:bodyPr>
+          <a:lstStyle/>
+          <a:p>
+            <a:r>
+              <a:rPr lang="es-ES" sz="1400" dirty="0" smtClean="0"/>
+              <a:t>casos acumulados, IA7d, IA14d, fallecidos, hospitalizados, UCI, tasa7d</a:t>
+            </a:r>
+            <a:endParaRPr lang="es-ES" sz="1400" dirty="0"/>
+          </a:p>
+        </p:txBody>
+      </p:sp>
+      <p:cxnSp>
+        <p:nvCxnSpPr>
+          <p:cNvPr id="23" name="Conector recto 22"/>
+          <p:cNvCxnSpPr/>
+          <p:nvPr/>
+        </p:nvCxnSpPr>
+        <p:spPr>
+          <a:xfrm flipV="1">
+            <a:off x="7153647" y="6134590"/>
+            <a:ext cx="561373" cy="24003"/>
+          </a:xfrm>
+          <a:prstGeom prst="line">
+            <a:avLst/>
+          </a:prstGeom>
+          <a:ln>
+            <a:tailEnd type="diamond" w="lg" len="lg"/>
+          </a:ln>
+        </p:spPr>
+        <p:style>
+          <a:lnRef idx="1">
+            <a:schemeClr val="accent1"/>
+          </a:lnRef>
+          <a:fillRef idx="0">
+            <a:schemeClr val="accent1"/>
+          </a:fillRef>
+          <a:effectRef idx="0">
+            <a:schemeClr val="accent1"/>
+          </a:effectRef>
+          <a:fontRef idx="minor">
+            <a:schemeClr val="tx1"/>
+          </a:fontRef>
+        </p:style>
+      </p:cxnSp>
+      <p:sp>
+        <p:nvSpPr>
+          <p:cNvPr id="24" name="CuadroTexto 23"/>
+          <p:cNvSpPr txBox="1"/>
+          <p:nvPr/>
+        </p:nvSpPr>
+        <p:spPr>
+          <a:xfrm>
+            <a:off x="7417276" y="6158593"/>
+            <a:ext cx="1842140" cy="307777"/>
+          </a:xfrm>
+          <a:prstGeom prst="rect">
+            <a:avLst/>
+          </a:prstGeom>
+          <a:noFill/>
+        </p:spPr>
+        <p:txBody>
+          <a:bodyPr wrap="square" rtlCol="0">
+            <a:spAutoFit/>
+          </a:bodyPr>
+          <a:lstStyle/>
+          <a:p>
+            <a:r>
+              <a:rPr lang="es-ES" sz="1400" dirty="0" smtClean="0"/>
+              <a:t>Período de la emisión</a:t>
+            </a:r>
+            <a:endParaRPr lang="es-ES" sz="1400" dirty="0"/>
           </a:p>
         </p:txBody>
       </p:sp>
@@ -8164,6 +8511,754 @@
       </p:par>
     </p:tnLst>
   </p:timing>
+</p:sld>
+</file>
+
+<file path=ppt/slides/slide8.xml><?xml version="1.0" encoding="utf-8"?>
+<p:sld xmlns:a="http://schemas.openxmlformats.org/drawingml/2006/main" xmlns:r="http://schemas.openxmlformats.org/officeDocument/2006/relationships" xmlns:p="http://schemas.openxmlformats.org/presentationml/2006/main">
+  <p:cSld>
+    <p:spTree>
+      <p:nvGrpSpPr>
+        <p:cNvPr id="1" name=""/>
+        <p:cNvGrpSpPr/>
+        <p:nvPr/>
+      </p:nvGrpSpPr>
+      <p:grpSpPr>
+        <a:xfrm>
+          <a:off x="0" y="0"/>
+          <a:ext cx="0" cy="0"/>
+          <a:chOff x="0" y="0"/>
+          <a:chExt cx="0" cy="0"/>
+        </a:xfrm>
+      </p:grpSpPr>
+      <p:sp>
+        <p:nvSpPr>
+          <p:cNvPr id="2" name="CuadroTexto 1"/>
+          <p:cNvSpPr txBox="1"/>
+          <p:nvPr/>
+        </p:nvSpPr>
+        <p:spPr>
+          <a:xfrm>
+            <a:off x="200025" y="116666"/>
+            <a:ext cx="3383811" cy="369332"/>
+          </a:xfrm>
+          <a:prstGeom prst="rect">
+            <a:avLst/>
+          </a:prstGeom>
+          <a:noFill/>
+        </p:spPr>
+        <p:txBody>
+          <a:bodyPr wrap="none" rtlCol="0">
+            <a:spAutoFit/>
+          </a:bodyPr>
+          <a:lstStyle/>
+          <a:p>
+            <a:r>
+              <a:rPr lang="es-ES" b="1" i="1" u="sng" dirty="0" smtClean="0"/>
+              <a:t>Diagrama para el actor “Decisor”</a:t>
+            </a:r>
+            <a:endParaRPr lang="es-ES" b="1" i="1" u="sng" dirty="0"/>
+          </a:p>
+        </p:txBody>
+      </p:sp>
+      <p:sp>
+        <p:nvSpPr>
+          <p:cNvPr id="3" name="Conector 2"/>
+          <p:cNvSpPr/>
+          <p:nvPr/>
+        </p:nvSpPr>
+        <p:spPr>
+          <a:xfrm>
+            <a:off x="2795703" y="-152399"/>
+            <a:ext cx="7713230" cy="7010399"/>
+          </a:xfrm>
+          <a:prstGeom prst="flowChartConnector">
+            <a:avLst/>
+          </a:prstGeom>
+        </p:spPr>
+        <p:style>
+          <a:lnRef idx="2">
+            <a:schemeClr val="accent1"/>
+          </a:lnRef>
+          <a:fillRef idx="1">
+            <a:schemeClr val="lt1"/>
+          </a:fillRef>
+          <a:effectRef idx="0">
+            <a:schemeClr val="accent1"/>
+          </a:effectRef>
+          <a:fontRef idx="minor">
+            <a:schemeClr val="dk1"/>
+          </a:fontRef>
+        </p:style>
+        <p:txBody>
+          <a:bodyPr rtlCol="0" anchor="ctr"/>
+          <a:lstStyle/>
+          <a:p>
+            <a:pPr algn="ctr"/>
+            <a:endParaRPr lang="es-ES"/>
+          </a:p>
+        </p:txBody>
+      </p:sp>
+      <p:sp>
+        <p:nvSpPr>
+          <p:cNvPr id="4" name="Elipse 3"/>
+          <p:cNvSpPr/>
+          <p:nvPr/>
+        </p:nvSpPr>
+        <p:spPr>
+          <a:xfrm>
+            <a:off x="2000251" y="939276"/>
+            <a:ext cx="1590904" cy="1499123"/>
+          </a:xfrm>
+          <a:prstGeom prst="ellipse">
+            <a:avLst/>
+          </a:prstGeom>
+        </p:spPr>
+        <p:style>
+          <a:lnRef idx="2">
+            <a:schemeClr val="accent5"/>
+          </a:lnRef>
+          <a:fillRef idx="1">
+            <a:schemeClr val="lt1"/>
+          </a:fillRef>
+          <a:effectRef idx="0">
+            <a:schemeClr val="accent5"/>
+          </a:effectRef>
+          <a:fontRef idx="minor">
+            <a:schemeClr val="dk1"/>
+          </a:fontRef>
+        </p:style>
+        <p:txBody>
+          <a:bodyPr rtlCol="0" anchor="ctr"/>
+          <a:lstStyle/>
+          <a:p>
+            <a:pPr algn="ctr"/>
+            <a:r>
+              <a:rPr lang="es-ES" dirty="0" smtClean="0"/>
+              <a:t>Jefe </a:t>
+            </a:r>
+            <a:endParaRPr lang="es-ES" dirty="0"/>
+          </a:p>
+        </p:txBody>
+      </p:sp>
+      <p:sp>
+        <p:nvSpPr>
+          <p:cNvPr id="5" name="Rectángulo redondeado 4"/>
+          <p:cNvSpPr/>
+          <p:nvPr/>
+        </p:nvSpPr>
+        <p:spPr>
+          <a:xfrm>
+            <a:off x="4288666" y="3997641"/>
+            <a:ext cx="1457325" cy="790575"/>
+          </a:xfrm>
+          <a:prstGeom prst="roundRect">
+            <a:avLst>
+              <a:gd name="adj" fmla="val 34739"/>
+            </a:avLst>
+          </a:prstGeom>
+        </p:spPr>
+        <p:style>
+          <a:lnRef idx="2">
+            <a:schemeClr val="accent1"/>
+          </a:lnRef>
+          <a:fillRef idx="1">
+            <a:schemeClr val="lt1"/>
+          </a:fillRef>
+          <a:effectRef idx="0">
+            <a:schemeClr val="accent1"/>
+          </a:effectRef>
+          <a:fontRef idx="minor">
+            <a:schemeClr val="dk1"/>
+          </a:fontRef>
+        </p:style>
+        <p:txBody>
+          <a:bodyPr rtlCol="0" anchor="ctr"/>
+          <a:lstStyle/>
+          <a:p>
+            <a:pPr algn="ctr"/>
+            <a:r>
+              <a:rPr lang="es-ES" dirty="0" smtClean="0"/>
+              <a:t>toma decisiones</a:t>
+            </a:r>
+            <a:endParaRPr lang="es-ES" dirty="0"/>
+          </a:p>
+        </p:txBody>
+      </p:sp>
+      <p:sp>
+        <p:nvSpPr>
+          <p:cNvPr id="6" name="Rectángulo redondeado 5"/>
+          <p:cNvSpPr/>
+          <p:nvPr/>
+        </p:nvSpPr>
+        <p:spPr>
+          <a:xfrm>
+            <a:off x="6510291" y="3997640"/>
+            <a:ext cx="1457325" cy="790575"/>
+          </a:xfrm>
+          <a:prstGeom prst="roundRect">
+            <a:avLst>
+              <a:gd name="adj" fmla="val 34739"/>
+            </a:avLst>
+          </a:prstGeom>
+        </p:spPr>
+        <p:style>
+          <a:lnRef idx="2">
+            <a:schemeClr val="accent1"/>
+          </a:lnRef>
+          <a:fillRef idx="1">
+            <a:schemeClr val="lt1"/>
+          </a:fillRef>
+          <a:effectRef idx="0">
+            <a:schemeClr val="accent1"/>
+          </a:effectRef>
+          <a:fontRef idx="minor">
+            <a:schemeClr val="dk1"/>
+          </a:fontRef>
+        </p:style>
+        <p:txBody>
+          <a:bodyPr rtlCol="0" anchor="ctr"/>
+          <a:lstStyle/>
+          <a:p>
+            <a:pPr algn="ctr"/>
+            <a:r>
+              <a:rPr lang="es-ES" dirty="0" smtClean="0"/>
+              <a:t>visualiza </a:t>
+            </a:r>
+            <a:r>
+              <a:rPr lang="es-ES" dirty="0"/>
+              <a:t>informes</a:t>
+            </a:r>
+          </a:p>
+        </p:txBody>
+      </p:sp>
+      <p:sp>
+        <p:nvSpPr>
+          <p:cNvPr id="9" name="Rectángulo 8"/>
+          <p:cNvSpPr/>
+          <p:nvPr/>
+        </p:nvSpPr>
+        <p:spPr>
+          <a:xfrm>
+            <a:off x="2917816" y="2897338"/>
+            <a:ext cx="1785545" cy="497370"/>
+          </a:xfrm>
+          <a:prstGeom prst="rect">
+            <a:avLst/>
+          </a:prstGeom>
+        </p:spPr>
+        <p:style>
+          <a:lnRef idx="2">
+            <a:schemeClr val="accent1"/>
+          </a:lnRef>
+          <a:fillRef idx="1">
+            <a:schemeClr val="lt1"/>
+          </a:fillRef>
+          <a:effectRef idx="0">
+            <a:schemeClr val="accent1"/>
+          </a:effectRef>
+          <a:fontRef idx="minor">
+            <a:schemeClr val="dk1"/>
+          </a:fontRef>
+        </p:style>
+        <p:txBody>
+          <a:bodyPr rtlCol="0" anchor="ctr"/>
+          <a:lstStyle/>
+          <a:p>
+            <a:pPr algn="ctr"/>
+            <a:r>
+              <a:rPr lang="es-ES" dirty="0" smtClean="0"/>
+              <a:t>Decisiones</a:t>
+            </a:r>
+            <a:endParaRPr lang="es-ES" dirty="0"/>
+          </a:p>
+        </p:txBody>
+      </p:sp>
+      <p:sp>
+        <p:nvSpPr>
+          <p:cNvPr id="10" name="Triángulo isósceles 9"/>
+          <p:cNvSpPr/>
+          <p:nvPr/>
+        </p:nvSpPr>
+        <p:spPr>
+          <a:xfrm rot="3424269">
+            <a:off x="4719048" y="2230374"/>
+            <a:ext cx="165063" cy="163227"/>
+          </a:xfrm>
+          <a:prstGeom prst="triangle">
+            <a:avLst/>
+          </a:prstGeom>
+          <a:solidFill>
+            <a:schemeClr val="bg1"/>
+          </a:solidFill>
+          <a:ln w="3175"/>
+        </p:spPr>
+        <p:style>
+          <a:lnRef idx="2">
+            <a:schemeClr val="accent1">
+              <a:shade val="50000"/>
+            </a:schemeClr>
+          </a:lnRef>
+          <a:fillRef idx="1">
+            <a:schemeClr val="accent1"/>
+          </a:fillRef>
+          <a:effectRef idx="0">
+            <a:schemeClr val="accent1"/>
+          </a:effectRef>
+          <a:fontRef idx="minor">
+            <a:schemeClr val="lt1"/>
+          </a:fontRef>
+        </p:style>
+        <p:txBody>
+          <a:bodyPr rtlCol="0" anchor="ctr"/>
+          <a:lstStyle/>
+          <a:p>
+            <a:pPr algn="ctr"/>
+            <a:endParaRPr lang="es-ES"/>
+          </a:p>
+        </p:txBody>
+      </p:sp>
+      <p:sp>
+        <p:nvSpPr>
+          <p:cNvPr id="11" name="Rectángulo redondeado 10"/>
+          <p:cNvSpPr/>
+          <p:nvPr/>
+        </p:nvSpPr>
+        <p:spPr>
+          <a:xfrm>
+            <a:off x="4886053" y="1710763"/>
+            <a:ext cx="1457325" cy="790575"/>
+          </a:xfrm>
+          <a:prstGeom prst="roundRect">
+            <a:avLst>
+              <a:gd name="adj" fmla="val 34739"/>
+            </a:avLst>
+          </a:prstGeom>
+          <a:solidFill>
+            <a:schemeClr val="bg1"/>
+          </a:solidFill>
+        </p:spPr>
+        <p:style>
+          <a:lnRef idx="2">
+            <a:schemeClr val="accent1"/>
+          </a:lnRef>
+          <a:fillRef idx="1">
+            <a:schemeClr val="lt1"/>
+          </a:fillRef>
+          <a:effectRef idx="0">
+            <a:schemeClr val="accent1"/>
+          </a:effectRef>
+          <a:fontRef idx="minor">
+            <a:schemeClr val="dk1"/>
+          </a:fontRef>
+        </p:style>
+        <p:txBody>
+          <a:bodyPr rtlCol="0" anchor="ctr"/>
+          <a:lstStyle/>
+          <a:p>
+            <a:pPr algn="ctr"/>
+            <a:r>
+              <a:rPr lang="es-ES" dirty="0" smtClean="0"/>
+              <a:t>Analiza informes</a:t>
+            </a:r>
+            <a:endParaRPr lang="es-ES" dirty="0"/>
+          </a:p>
+        </p:txBody>
+      </p:sp>
+      <p:cxnSp>
+        <p:nvCxnSpPr>
+          <p:cNvPr id="12" name="Conector recto 11"/>
+          <p:cNvCxnSpPr>
+            <a:stCxn id="14" idx="2"/>
+            <a:endCxn id="11" idx="3"/>
+          </p:cNvCxnSpPr>
+          <p:nvPr/>
+        </p:nvCxnSpPr>
+        <p:spPr>
+          <a:xfrm flipH="1" flipV="1">
+            <a:off x="6343378" y="2106051"/>
+            <a:ext cx="1654130" cy="1"/>
+          </a:xfrm>
+          <a:prstGeom prst="line">
+            <a:avLst/>
+          </a:prstGeom>
+        </p:spPr>
+        <p:style>
+          <a:lnRef idx="1">
+            <a:schemeClr val="accent1"/>
+          </a:lnRef>
+          <a:fillRef idx="0">
+            <a:schemeClr val="accent1"/>
+          </a:fillRef>
+          <a:effectRef idx="0">
+            <a:schemeClr val="accent1"/>
+          </a:effectRef>
+          <a:fontRef idx="minor">
+            <a:schemeClr val="tx1"/>
+          </a:fontRef>
+        </p:style>
+      </p:cxnSp>
+      <p:sp>
+        <p:nvSpPr>
+          <p:cNvPr id="13" name="Retraso 12"/>
+          <p:cNvSpPr/>
+          <p:nvPr/>
+        </p:nvSpPr>
+        <p:spPr>
+          <a:xfrm rot="10800000">
+            <a:off x="7166668" y="1829824"/>
+            <a:ext cx="533399" cy="552451"/>
+          </a:xfrm>
+          <a:prstGeom prst="flowChartDelay">
+            <a:avLst/>
+          </a:prstGeom>
+          <a:noFill/>
+        </p:spPr>
+        <p:style>
+          <a:lnRef idx="2">
+            <a:schemeClr val="accent1"/>
+          </a:lnRef>
+          <a:fillRef idx="1">
+            <a:schemeClr val="lt1"/>
+          </a:fillRef>
+          <a:effectRef idx="0">
+            <a:schemeClr val="accent1"/>
+          </a:effectRef>
+          <a:fontRef idx="minor">
+            <a:schemeClr val="dk1"/>
+          </a:fontRef>
+        </p:style>
+        <p:txBody>
+          <a:bodyPr rtlCol="0" anchor="ctr"/>
+          <a:lstStyle/>
+          <a:p>
+            <a:pPr algn="ctr"/>
+            <a:endParaRPr lang="es-ES"/>
+          </a:p>
+        </p:txBody>
+      </p:sp>
+      <p:sp>
+        <p:nvSpPr>
+          <p:cNvPr id="14" name="Elipse 13"/>
+          <p:cNvSpPr/>
+          <p:nvPr/>
+        </p:nvSpPr>
+        <p:spPr>
+          <a:xfrm>
+            <a:off x="7997508" y="1372887"/>
+            <a:ext cx="1605375" cy="1466329"/>
+          </a:xfrm>
+          <a:prstGeom prst="ellipse">
+            <a:avLst/>
+          </a:prstGeom>
+        </p:spPr>
+        <p:style>
+          <a:lnRef idx="2">
+            <a:schemeClr val="accent5"/>
+          </a:lnRef>
+          <a:fillRef idx="1">
+            <a:schemeClr val="lt1"/>
+          </a:fillRef>
+          <a:effectRef idx="0">
+            <a:schemeClr val="accent5"/>
+          </a:effectRef>
+          <a:fontRef idx="minor">
+            <a:schemeClr val="dk1"/>
+          </a:fontRef>
+        </p:style>
+        <p:txBody>
+          <a:bodyPr rtlCol="0" anchor="ctr"/>
+          <a:lstStyle/>
+          <a:p>
+            <a:pPr algn="ctr"/>
+            <a:r>
+              <a:rPr lang="es-ES" dirty="0" smtClean="0"/>
+              <a:t>Empleado</a:t>
+            </a:r>
+            <a:endParaRPr lang="es-ES" dirty="0"/>
+          </a:p>
+        </p:txBody>
+      </p:sp>
+      <p:cxnSp>
+        <p:nvCxnSpPr>
+          <p:cNvPr id="15" name="Conector recto 14"/>
+          <p:cNvCxnSpPr>
+            <a:stCxn id="10" idx="3"/>
+            <a:endCxn id="9" idx="0"/>
+          </p:cNvCxnSpPr>
+          <p:nvPr/>
+        </p:nvCxnSpPr>
+        <p:spPr>
+          <a:xfrm flipH="1">
+            <a:off x="3810589" y="2356353"/>
+            <a:ext cx="922489" cy="540985"/>
+          </a:xfrm>
+          <a:prstGeom prst="line">
+            <a:avLst/>
+          </a:prstGeom>
+        </p:spPr>
+        <p:style>
+          <a:lnRef idx="1">
+            <a:schemeClr val="accent1"/>
+          </a:lnRef>
+          <a:fillRef idx="0">
+            <a:schemeClr val="accent1"/>
+          </a:fillRef>
+          <a:effectRef idx="0">
+            <a:schemeClr val="accent1"/>
+          </a:effectRef>
+          <a:fontRef idx="minor">
+            <a:schemeClr val="tx1"/>
+          </a:fontRef>
+        </p:style>
+      </p:cxnSp>
+      <p:cxnSp>
+        <p:nvCxnSpPr>
+          <p:cNvPr id="27" name="Conector recto 26"/>
+          <p:cNvCxnSpPr>
+            <a:stCxn id="11" idx="2"/>
+            <a:endCxn id="5" idx="0"/>
+          </p:cNvCxnSpPr>
+          <p:nvPr/>
+        </p:nvCxnSpPr>
+        <p:spPr>
+          <a:xfrm flipH="1">
+            <a:off x="5017329" y="2501338"/>
+            <a:ext cx="597387" cy="1496303"/>
+          </a:xfrm>
+          <a:prstGeom prst="line">
+            <a:avLst/>
+          </a:prstGeom>
+        </p:spPr>
+        <p:style>
+          <a:lnRef idx="1">
+            <a:schemeClr val="accent1"/>
+          </a:lnRef>
+          <a:fillRef idx="0">
+            <a:schemeClr val="accent1"/>
+          </a:fillRef>
+          <a:effectRef idx="0">
+            <a:schemeClr val="accent1"/>
+          </a:effectRef>
+          <a:fontRef idx="minor">
+            <a:schemeClr val="tx1"/>
+          </a:fontRef>
+        </p:style>
+      </p:cxnSp>
+      <p:cxnSp>
+        <p:nvCxnSpPr>
+          <p:cNvPr id="29" name="Conector recto 28"/>
+          <p:cNvCxnSpPr>
+            <a:endCxn id="6" idx="0"/>
+          </p:cNvCxnSpPr>
+          <p:nvPr/>
+        </p:nvCxnSpPr>
+        <p:spPr>
+          <a:xfrm>
+            <a:off x="5614715" y="2501338"/>
+            <a:ext cx="1624239" cy="1496302"/>
+          </a:xfrm>
+          <a:prstGeom prst="line">
+            <a:avLst/>
+          </a:prstGeom>
+        </p:spPr>
+        <p:style>
+          <a:lnRef idx="1">
+            <a:schemeClr val="accent1"/>
+          </a:lnRef>
+          <a:fillRef idx="0">
+            <a:schemeClr val="accent1"/>
+          </a:fillRef>
+          <a:effectRef idx="0">
+            <a:schemeClr val="accent1"/>
+          </a:effectRef>
+          <a:fontRef idx="minor">
+            <a:schemeClr val="tx1"/>
+          </a:fontRef>
+        </p:style>
+      </p:cxnSp>
+      <p:sp>
+        <p:nvSpPr>
+          <p:cNvPr id="32" name="Arco 31"/>
+          <p:cNvSpPr/>
+          <p:nvPr/>
+        </p:nvSpPr>
+        <p:spPr>
+          <a:xfrm rot="7812474">
+            <a:off x="5289622" y="2113592"/>
+            <a:ext cx="857250" cy="1017437"/>
+          </a:xfrm>
+          <a:prstGeom prst="arc">
+            <a:avLst/>
+          </a:prstGeom>
+        </p:spPr>
+        <p:style>
+          <a:lnRef idx="1">
+            <a:schemeClr val="accent1"/>
+          </a:lnRef>
+          <a:fillRef idx="0">
+            <a:schemeClr val="accent1"/>
+          </a:fillRef>
+          <a:effectRef idx="0">
+            <a:schemeClr val="accent1"/>
+          </a:effectRef>
+          <a:fontRef idx="minor">
+            <a:schemeClr val="tx1"/>
+          </a:fontRef>
+        </p:style>
+        <p:txBody>
+          <a:bodyPr rtlCol="0" anchor="ctr"/>
+          <a:lstStyle/>
+          <a:p>
+            <a:pPr algn="ctr"/>
+            <a:endParaRPr lang="es-ES"/>
+          </a:p>
+        </p:txBody>
+      </p:sp>
+      <p:sp>
+        <p:nvSpPr>
+          <p:cNvPr id="33" name="CuadroTexto 32"/>
+          <p:cNvSpPr txBox="1"/>
+          <p:nvPr/>
+        </p:nvSpPr>
+        <p:spPr>
+          <a:xfrm>
+            <a:off x="5547494" y="3075801"/>
+            <a:ext cx="468398" cy="276999"/>
+          </a:xfrm>
+          <a:prstGeom prst="rect">
+            <a:avLst/>
+          </a:prstGeom>
+          <a:noFill/>
+        </p:spPr>
+        <p:txBody>
+          <a:bodyPr wrap="none" rtlCol="0">
+            <a:spAutoFit/>
+          </a:bodyPr>
+          <a:lstStyle/>
+          <a:p>
+            <a:r>
+              <a:rPr lang="es-ES" sz="1200" dirty="0" smtClean="0"/>
+              <a:t>AND</a:t>
+            </a:r>
+            <a:endParaRPr lang="es-ES" sz="1200" dirty="0"/>
+          </a:p>
+        </p:txBody>
+      </p:sp>
+    </p:spTree>
+    <p:extLst>
+      <p:ext uri="{BB962C8B-B14F-4D97-AF65-F5344CB8AC3E}">
+        <p14:creationId xmlns:p14="http://schemas.microsoft.com/office/powerpoint/2010/main" val="2699402204"/>
+      </p:ext>
+    </p:extLst>
+  </p:cSld>
+  <p:clrMapOvr>
+    <a:masterClrMapping/>
+  </p:clrMapOvr>
+</p:sld>
+</file>
+
+<file path=ppt/slides/slide9.xml><?xml version="1.0" encoding="utf-8"?>
+<p:sld xmlns:a="http://schemas.openxmlformats.org/drawingml/2006/main" xmlns:r="http://schemas.openxmlformats.org/officeDocument/2006/relationships" xmlns:p="http://schemas.openxmlformats.org/presentationml/2006/main">
+  <p:cSld>
+    <p:spTree>
+      <p:nvGrpSpPr>
+        <p:cNvPr id="1" name=""/>
+        <p:cNvGrpSpPr/>
+        <p:nvPr/>
+      </p:nvGrpSpPr>
+      <p:grpSpPr>
+        <a:xfrm>
+          <a:off x="0" y="0"/>
+          <a:ext cx="0" cy="0"/>
+          <a:chOff x="0" y="0"/>
+          <a:chExt cx="0" cy="0"/>
+        </a:xfrm>
+      </p:grpSpPr>
+      <p:sp>
+        <p:nvSpPr>
+          <p:cNvPr id="3" name="CuadroTexto 2"/>
+          <p:cNvSpPr txBox="1"/>
+          <p:nvPr/>
+        </p:nvSpPr>
+        <p:spPr>
+          <a:xfrm>
+            <a:off x="304800" y="95250"/>
+            <a:ext cx="6362700" cy="369332"/>
+          </a:xfrm>
+          <a:prstGeom prst="rect">
+            <a:avLst/>
+          </a:prstGeom>
+          <a:noFill/>
+        </p:spPr>
+        <p:txBody>
+          <a:bodyPr wrap="square" rtlCol="0">
+            <a:spAutoFit/>
+          </a:bodyPr>
+          <a:lstStyle/>
+          <a:p>
+            <a:r>
+              <a:rPr lang="es-ES" b="1" dirty="0" smtClean="0"/>
+              <a:t>2.- MODELADO DE LA TOMA DE DECISIONES</a:t>
+            </a:r>
+            <a:endParaRPr lang="es-ES" b="1" dirty="0"/>
+          </a:p>
+        </p:txBody>
+      </p:sp>
+      <p:sp>
+        <p:nvSpPr>
+          <p:cNvPr id="6" name="Triángulo isósceles 5"/>
+          <p:cNvSpPr/>
+          <p:nvPr/>
+        </p:nvSpPr>
+        <p:spPr>
+          <a:xfrm rot="3424269">
+            <a:off x="335634" y="827432"/>
+            <a:ext cx="165063" cy="163227"/>
+          </a:xfrm>
+          <a:prstGeom prst="triangle">
+            <a:avLst/>
+          </a:prstGeom>
+          <a:solidFill>
+            <a:schemeClr val="bg1"/>
+          </a:solidFill>
+          <a:ln w="3175"/>
+        </p:spPr>
+        <p:style>
+          <a:lnRef idx="2">
+            <a:schemeClr val="accent1">
+              <a:shade val="50000"/>
+            </a:schemeClr>
+          </a:lnRef>
+          <a:fillRef idx="1">
+            <a:schemeClr val="accent1"/>
+          </a:fillRef>
+          <a:effectRef idx="0">
+            <a:schemeClr val="accent1"/>
+          </a:effectRef>
+          <a:fontRef idx="minor">
+            <a:schemeClr val="lt1"/>
+          </a:fontRef>
+        </p:style>
+        <p:txBody>
+          <a:bodyPr rtlCol="0" anchor="ctr"/>
+          <a:lstStyle/>
+          <a:p>
+            <a:pPr algn="ctr"/>
+            <a:endParaRPr lang="es-ES"/>
+          </a:p>
+        </p:txBody>
+      </p:sp>
+    </p:spTree>
+    <p:extLst>
+      <p:ext uri="{BB962C8B-B14F-4D97-AF65-F5344CB8AC3E}">
+        <p14:creationId xmlns:p14="http://schemas.microsoft.com/office/powerpoint/2010/main" val="18562851"/>
+      </p:ext>
+    </p:extLst>
+  </p:cSld>
+  <p:clrMapOvr>
+    <a:masterClrMapping/>
+  </p:clrMapOvr>
 </p:sld>
 </file>
 
